--- a/Hamilton_template.pptx
+++ b/Hamilton_template.pptx
@@ -824,11 +824,14 @@
           <a:bodyPr/>
           <a:lstStyle>
             <a:lvl1pPr>
-              <a:defRPr sz="2400"/>
+              <a:defRPr sz="2000"/>
             </a:lvl1pPr>
             <a:lvl2pPr>
-              <a:defRPr sz="1800"/>
+              <a:defRPr sz="2000"/>
             </a:lvl2pPr>
+            <a:lvl3pPr>
+              <a:defRPr sz="2000"/>
+            </a:lvl3pPr>
           </a:lstStyle>
           <a:p>
             <a:pPr lvl="0"/>
@@ -2741,24 +2744,9 @@
             </a:pPr>
             <a:r>
               <a:rPr lang="en-GB" dirty="0"/>
-              <a:t>Click </a:t>
-            </a:r>
-            <a:r>
-              <a:rPr lang="en-GB" dirty="0" err="1"/>
-              <a:t>toClick</a:t>
-            </a:r>
-            <a:r>
-              <a:rPr lang="en-GB" dirty="0"/>
-              <a:t> to edit Master title style</a:t>
+              <a:t>Click to edit Master title style</a:t>
             </a:r>
             <a:endParaRPr lang="en-US" dirty="0"/>
-          </a:p>
-          <a:p>
-            <a:pPr lvl="0"/>
-            <a:r>
-              <a:rPr lang="en-GB" dirty="0"/>
-              <a:t> edit Master text styles</a:t>
-            </a:r>
           </a:p>
           <a:p>
             <a:pPr lvl="1"/>
@@ -3068,7 +3056,7 @@
         <a:buFont typeface="Arial"/>
         <a:buChar char="•"/>
         <a:tabLst/>
-        <a:defRPr sz="1800" kern="1200">
+        <a:defRPr sz="1600" kern="1200">
           <a:solidFill>
             <a:schemeClr val="tx1"/>
           </a:solidFill>

--- a/Hamilton_template.pptx
+++ b/Hamilton_template.pptx
@@ -8,7 +8,7 @@
     <p:sldId id="256" r:id="rId2"/>
     <p:sldId id="264" r:id="rId3"/>
   </p:sldIdLst>
-  <p:sldSz cx="9144000" cy="6858000" type="screen4x3"/>
+  <p:sldSz cx="12192000" cy="6858000"/>
   <p:notesSz cx="6858000" cy="9144000"/>
   <p:defaultTextStyle>
     <a:defPPr>
@@ -108,12 +108,12 @@
   <p:extLst>
     <p:ext uri="{EFAFB233-063F-42B5-8137-9DF3F51BA10A}">
       <p15:sldGuideLst xmlns:p15="http://schemas.microsoft.com/office/powerpoint/2012/main">
-        <p15:guide id="1" orient="horz" pos="2160">
+        <p15:guide id="1" orient="horz" pos="2160" userDrawn="1">
           <p15:clr>
             <a:srgbClr val="A4A3A4"/>
           </p15:clr>
         </p15:guide>
-        <p15:guide id="2" pos="2880">
+        <p15:guide id="2" pos="3840" userDrawn="1">
           <p15:clr>
             <a:srgbClr val="A4A3A4"/>
           </p15:clr>
@@ -168,8 +168,8 @@
         </p:blipFill>
         <p:spPr>
           <a:xfrm>
-            <a:off x="0" y="0"/>
-            <a:ext cx="9144000" cy="5810491"/>
+            <a:off x="0" y="1"/>
+            <a:ext cx="12192000" cy="5810491"/>
           </a:xfrm>
           <a:prstGeom prst="rect">
             <a:avLst/>
@@ -188,8 +188,8 @@
         </p:nvSpPr>
         <p:spPr>
           <a:xfrm>
-            <a:off x="685800" y="2130425"/>
-            <a:ext cx="7772400" cy="1470025"/>
+            <a:off x="914400" y="2130426"/>
+            <a:ext cx="10363200" cy="1470025"/>
           </a:xfrm>
           <a:solidFill>
             <a:srgbClr val="184A53">
@@ -228,8 +228,8 @@
         </p:nvSpPr>
         <p:spPr>
           <a:xfrm>
-            <a:off x="685800" y="3623600"/>
-            <a:ext cx="7772400" cy="1631306"/>
+            <a:off x="914400" y="3623600"/>
+            <a:ext cx="10363200" cy="1631306"/>
           </a:xfrm>
           <a:solidFill>
             <a:srgbClr val="184A53">
@@ -618,8 +618,8 @@
         </p:nvSpPr>
         <p:spPr>
           <a:xfrm>
-            <a:off x="6629400" y="274638"/>
-            <a:ext cx="2057400" cy="5851525"/>
+            <a:off x="8839200" y="274639"/>
+            <a:ext cx="2743200" cy="5851525"/>
           </a:xfrm>
         </p:spPr>
         <p:txBody>
@@ -646,8 +646,8 @@
         </p:nvSpPr>
         <p:spPr>
           <a:xfrm>
-            <a:off x="457200" y="274638"/>
-            <a:ext cx="6019800" cy="5851525"/>
+            <a:off x="609600" y="274639"/>
+            <a:ext cx="8026400" cy="5851525"/>
           </a:xfrm>
         </p:spPr>
         <p:txBody>
@@ -978,8 +978,8 @@
         </p:nvSpPr>
         <p:spPr>
           <a:xfrm>
-            <a:off x="722313" y="4406900"/>
-            <a:ext cx="7772400" cy="1362075"/>
+            <a:off x="963084" y="4406901"/>
+            <a:ext cx="10363200" cy="1362075"/>
           </a:xfrm>
         </p:spPr>
         <p:txBody>
@@ -1010,8 +1010,8 @@
         </p:nvSpPr>
         <p:spPr>
           <a:xfrm>
-            <a:off x="722313" y="2906713"/>
-            <a:ext cx="7772400" cy="1500187"/>
+            <a:off x="963084" y="2906713"/>
+            <a:ext cx="10363200" cy="1500187"/>
           </a:xfrm>
         </p:spPr>
         <p:txBody>
@@ -1245,8 +1245,8 @@
         </p:nvSpPr>
         <p:spPr>
           <a:xfrm>
-            <a:off x="457200" y="1600200"/>
-            <a:ext cx="4038600" cy="4525963"/>
+            <a:off x="609600" y="1600201"/>
+            <a:ext cx="5384800" cy="4525963"/>
           </a:xfrm>
         </p:spPr>
         <p:txBody>
@@ -1330,8 +1330,8 @@
         </p:nvSpPr>
         <p:spPr>
           <a:xfrm>
-            <a:off x="4648200" y="1600200"/>
-            <a:ext cx="4038600" cy="4525963"/>
+            <a:off x="6197600" y="1600201"/>
+            <a:ext cx="5384800" cy="4525963"/>
           </a:xfrm>
         </p:spPr>
         <p:txBody>
@@ -1537,8 +1537,8 @@
         </p:nvSpPr>
         <p:spPr>
           <a:xfrm>
-            <a:off x="457200" y="1535113"/>
-            <a:ext cx="4040188" cy="639762"/>
+            <a:off x="609600" y="1535113"/>
+            <a:ext cx="5386917" cy="639762"/>
           </a:xfrm>
         </p:spPr>
         <p:txBody>
@@ -1602,8 +1602,8 @@
         </p:nvSpPr>
         <p:spPr>
           <a:xfrm>
-            <a:off x="457200" y="2174875"/>
-            <a:ext cx="4040188" cy="3951288"/>
+            <a:off x="609600" y="2174875"/>
+            <a:ext cx="5386917" cy="3951288"/>
           </a:xfrm>
         </p:spPr>
         <p:txBody>
@@ -1687,8 +1687,8 @@
         </p:nvSpPr>
         <p:spPr>
           <a:xfrm>
-            <a:off x="4645025" y="1535113"/>
-            <a:ext cx="4041775" cy="639762"/>
+            <a:off x="6193368" y="1535113"/>
+            <a:ext cx="5389033" cy="639762"/>
           </a:xfrm>
         </p:spPr>
         <p:txBody>
@@ -1752,8 +1752,8 @@
         </p:nvSpPr>
         <p:spPr>
           <a:xfrm>
-            <a:off x="4645025" y="2174875"/>
-            <a:ext cx="4041775" cy="3951288"/>
+            <a:off x="6193368" y="2174875"/>
+            <a:ext cx="5389033" cy="3951288"/>
           </a:xfrm>
         </p:spPr>
         <p:txBody>
@@ -2145,8 +2145,8 @@
         </p:nvSpPr>
         <p:spPr>
           <a:xfrm>
-            <a:off x="457200" y="273050"/>
-            <a:ext cx="3008313" cy="1162050"/>
+            <a:off x="609601" y="273050"/>
+            <a:ext cx="4011084" cy="1162050"/>
           </a:xfrm>
         </p:spPr>
         <p:txBody>
@@ -2177,8 +2177,8 @@
         </p:nvSpPr>
         <p:spPr>
           <a:xfrm>
-            <a:off x="3575050" y="273050"/>
-            <a:ext cx="5111750" cy="5853113"/>
+            <a:off x="4766733" y="273051"/>
+            <a:ext cx="6815667" cy="5853113"/>
           </a:xfrm>
         </p:spPr>
         <p:txBody>
@@ -2262,8 +2262,8 @@
         </p:nvSpPr>
         <p:spPr>
           <a:xfrm>
-            <a:off x="457200" y="1435100"/>
-            <a:ext cx="3008313" cy="4691063"/>
+            <a:off x="609601" y="1435101"/>
+            <a:ext cx="4011084" cy="4691063"/>
           </a:xfrm>
         </p:spPr>
         <p:txBody>
@@ -2422,8 +2422,8 @@
         </p:nvSpPr>
         <p:spPr>
           <a:xfrm>
-            <a:off x="1792288" y="4800600"/>
-            <a:ext cx="5486400" cy="566738"/>
+            <a:off x="2389717" y="4800600"/>
+            <a:ext cx="7315200" cy="566738"/>
           </a:xfrm>
         </p:spPr>
         <p:txBody>
@@ -2454,8 +2454,8 @@
         </p:nvSpPr>
         <p:spPr>
           <a:xfrm>
-            <a:off x="1792288" y="612775"/>
-            <a:ext cx="5486400" cy="4114800"/>
+            <a:off x="2389717" y="612775"/>
+            <a:ext cx="7315200" cy="4114800"/>
           </a:xfrm>
         </p:spPr>
         <p:txBody>
@@ -2515,8 +2515,8 @@
         </p:nvSpPr>
         <p:spPr>
           <a:xfrm>
-            <a:off x="1792288" y="5367338"/>
-            <a:ext cx="5486400" cy="804862"/>
+            <a:off x="2389717" y="5367338"/>
+            <a:ext cx="7315200" cy="804862"/>
           </a:xfrm>
         </p:spPr>
         <p:txBody>
@@ -2680,8 +2680,8 @@
         </p:nvSpPr>
         <p:spPr>
           <a:xfrm>
-            <a:off x="457200" y="274638"/>
-            <a:ext cx="8229600" cy="596219"/>
+            <a:off x="609600" y="274639"/>
+            <a:ext cx="10972800" cy="596219"/>
           </a:xfrm>
           <a:prstGeom prst="rect">
             <a:avLst/>
@@ -2712,8 +2712,8 @@
         </p:nvSpPr>
         <p:spPr>
           <a:xfrm>
-            <a:off x="457200" y="1146632"/>
-            <a:ext cx="8229600" cy="4525963"/>
+            <a:off x="609600" y="1146633"/>
+            <a:ext cx="10972800" cy="4525963"/>
           </a:xfrm>
           <a:prstGeom prst="rect">
             <a:avLst/>
@@ -2791,8 +2791,8 @@
         </p:nvSpPr>
         <p:spPr>
           <a:xfrm>
-            <a:off x="457200" y="6356350"/>
-            <a:ext cx="2133600" cy="365125"/>
+            <a:off x="609600" y="6356351"/>
+            <a:ext cx="2844800" cy="365125"/>
           </a:xfrm>
           <a:prstGeom prst="rect">
             <a:avLst/>
@@ -2832,8 +2832,8 @@
         </p:nvSpPr>
         <p:spPr>
           <a:xfrm>
-            <a:off x="3124200" y="6356350"/>
-            <a:ext cx="2895600" cy="365125"/>
+            <a:off x="4165600" y="6356351"/>
+            <a:ext cx="3860800" cy="365125"/>
           </a:xfrm>
           <a:prstGeom prst="rect">
             <a:avLst/>
@@ -2869,8 +2869,8 @@
         </p:nvSpPr>
         <p:spPr>
           <a:xfrm>
-            <a:off x="6553200" y="6356350"/>
-            <a:ext cx="2133600" cy="365125"/>
+            <a:off x="8737600" y="6356351"/>
+            <a:ext cx="2844800" cy="365125"/>
           </a:xfrm>
           <a:prstGeom prst="rect">
             <a:avLst/>
@@ -2906,8 +2906,8 @@
         </p:nvSpPr>
         <p:spPr>
           <a:xfrm>
-            <a:off x="4060688" y="6280240"/>
-            <a:ext cx="4848414" cy="307777"/>
+            <a:off x="5414251" y="6280241"/>
+            <a:ext cx="6464552" cy="307777"/>
           </a:xfrm>
           <a:prstGeom prst="rect">
             <a:avLst/>
@@ -2958,8 +2958,8 @@
         </p:blipFill>
         <p:spPr>
           <a:xfrm>
-            <a:off x="62646" y="5851937"/>
-            <a:ext cx="2625604" cy="978408"/>
+            <a:off x="83529" y="5851937"/>
+            <a:ext cx="2844800" cy="978408"/>
           </a:xfrm>
           <a:prstGeom prst="rect">
             <a:avLst/>
@@ -2974,8 +2974,8 @@
         </p:nvCxnSpPr>
         <p:spPr>
           <a:xfrm>
-            <a:off x="-32770" y="5860636"/>
-            <a:ext cx="9214015" cy="0"/>
+            <a:off x="-43692" y="5860636"/>
+            <a:ext cx="12285353" cy="0"/>
           </a:xfrm>
           <a:prstGeom prst="line">
             <a:avLst/>
@@ -3314,181 +3314,6 @@
           <a:chExt cx="0" cy="0"/>
         </a:xfrm>
       </p:grpSpPr>
-      <p:pic>
-        <p:nvPicPr>
-          <p:cNvPr id="4" name="Picture 3" descr="M11505 MU Hamilton Institute PowerPoint Cover Slide.jpg"/>
-          <p:cNvPicPr>
-            <a:picLocks noChangeAspect="1"/>
-          </p:cNvPicPr>
-          <p:nvPr/>
-        </p:nvPicPr>
-        <p:blipFill>
-          <a:blip r:embed="rId2">
-            <a:extLst>
-              <a:ext uri="{28A0092B-C50C-407E-A947-70E740481C1C}">
-                <a14:useLocalDpi xmlns:a14="http://schemas.microsoft.com/office/drawing/2010/main" val="0"/>
-              </a:ext>
-            </a:extLst>
-          </a:blip>
-          <a:stretch>
-            <a:fillRect/>
-          </a:stretch>
-        </p:blipFill>
-        <p:spPr>
-          <a:xfrm>
-            <a:off x="0" y="0"/>
-            <a:ext cx="9144000" cy="6858000"/>
-          </a:xfrm>
-          <a:prstGeom prst="rect">
-            <a:avLst/>
-          </a:prstGeom>
-        </p:spPr>
-      </p:pic>
-      <p:sp>
-        <p:nvSpPr>
-          <p:cNvPr id="7" name="Rectangle 6"/>
-          <p:cNvSpPr/>
-          <p:nvPr/>
-        </p:nvSpPr>
-        <p:spPr>
-          <a:xfrm>
-            <a:off x="670406" y="4447945"/>
-            <a:ext cx="7772400" cy="1762606"/>
-          </a:xfrm>
-          <a:prstGeom prst="rect">
-            <a:avLst/>
-          </a:prstGeom>
-          <a:solidFill>
-            <a:schemeClr val="bg1">
-              <a:alpha val="70000"/>
-            </a:schemeClr>
-          </a:solidFill>
-          <a:ln>
-            <a:noFill/>
-          </a:ln>
-          <a:effectLst/>
-        </p:spPr>
-        <p:style>
-          <a:lnRef idx="1">
-            <a:schemeClr val="accent1"/>
-          </a:lnRef>
-          <a:fillRef idx="3">
-            <a:schemeClr val="accent1"/>
-          </a:fillRef>
-          <a:effectRef idx="2">
-            <a:schemeClr val="accent1"/>
-          </a:effectRef>
-          <a:fontRef idx="minor">
-            <a:schemeClr val="lt1"/>
-          </a:fontRef>
-        </p:style>
-        <p:txBody>
-          <a:bodyPr rtlCol="0" anchor="ctr"/>
-          <a:lstStyle/>
-          <a:p>
-            <a:pPr algn="ctr"/>
-            <a:endParaRPr lang="en-US"/>
-          </a:p>
-        </p:txBody>
-      </p:sp>
-      <p:sp>
-        <p:nvSpPr>
-          <p:cNvPr id="9" name="Title 1"/>
-          <p:cNvSpPr txBox="1">
-            <a:spLocks/>
-          </p:cNvSpPr>
-          <p:nvPr/>
-        </p:nvSpPr>
-        <p:spPr>
-          <a:xfrm>
-            <a:off x="807412" y="4531928"/>
-            <a:ext cx="7511088" cy="749780"/>
-          </a:xfrm>
-          <a:prstGeom prst="rect">
-            <a:avLst/>
-          </a:prstGeom>
-        </p:spPr>
-        <p:txBody>
-          <a:bodyPr vert="horz" lIns="91440" tIns="45720" rIns="91440" bIns="45720" rtlCol="0" anchor="t">
-            <a:normAutofit/>
-          </a:bodyPr>
-          <a:lstStyle>
-            <a:lvl1pPr algn="l" defTabSz="457200" rtl="0" eaLnBrk="1" latinLnBrk="0" hangingPunct="1">
-              <a:spcBef>
-                <a:spcPct val="0"/>
-              </a:spcBef>
-              <a:buNone/>
-              <a:defRPr sz="4400" kern="1200">
-                <a:solidFill>
-                  <a:schemeClr val="tx1"/>
-                </a:solidFill>
-                <a:latin typeface="+mj-lt"/>
-                <a:ea typeface="+mj-ea"/>
-                <a:cs typeface="+mj-cs"/>
-              </a:defRPr>
-            </a:lvl1pPr>
-          </a:lstStyle>
-          <a:p>
-            <a:r>
-              <a:rPr lang="en-US" sz="4000" b="1" dirty="0"/>
-              <a:t>Hamilton Institute</a:t>
-            </a:r>
-          </a:p>
-        </p:txBody>
-      </p:sp>
-      <p:sp>
-        <p:nvSpPr>
-          <p:cNvPr id="12" name="Subtitle 2"/>
-          <p:cNvSpPr>
-            <a:spLocks noGrp="1"/>
-          </p:cNvSpPr>
-          <p:nvPr>
-            <p:ph type="subTitle" idx="1"/>
-          </p:nvPr>
-        </p:nvSpPr>
-        <p:spPr>
-          <a:xfrm>
-            <a:off x="817145" y="5248656"/>
-            <a:ext cx="7501355" cy="785091"/>
-          </a:xfrm>
-        </p:spPr>
-        <p:txBody>
-          <a:bodyPr>
-            <a:noAutofit/>
-          </a:bodyPr>
-          <a:lstStyle/>
-          <a:p>
-            <a:pPr>
-              <a:lnSpc>
-                <a:spcPct val="90000"/>
-              </a:lnSpc>
-            </a:pPr>
-            <a:r>
-              <a:rPr lang="en-US" sz="2000" dirty="0">
-                <a:solidFill>
-                  <a:schemeClr val="tx1"/>
-                </a:solidFill>
-              </a:rPr>
-              <a:t>Professor’s Name</a:t>
-            </a:r>
-          </a:p>
-          <a:p>
-            <a:pPr>
-              <a:lnSpc>
-                <a:spcPct val="90000"/>
-              </a:lnSpc>
-            </a:pPr>
-            <a:r>
-              <a:rPr lang="en-US" sz="2000" dirty="0">
-                <a:solidFill>
-                  <a:schemeClr val="tx1"/>
-                </a:solidFill>
-              </a:rPr>
-              <a:t>Day Month, Year</a:t>
-            </a:r>
-          </a:p>
-        </p:txBody>
-      </p:sp>
       <p:sp>
         <p:nvSpPr>
           <p:cNvPr id="35" name="TextBox 34"/>
@@ -3497,7 +3322,7 @@
         </p:nvSpPr>
         <p:spPr>
           <a:xfrm>
-            <a:off x="9306821" y="4259385"/>
+            <a:off x="12354821" y="4259385"/>
             <a:ext cx="184666" cy="369332"/>
           </a:xfrm>
           <a:prstGeom prst="rect">
@@ -3523,7 +3348,7 @@
         </p:nvSpPr>
         <p:spPr>
           <a:xfrm>
-            <a:off x="9378462" y="3653692"/>
+            <a:off x="12426462" y="3653692"/>
             <a:ext cx="184666" cy="369332"/>
           </a:xfrm>
           <a:prstGeom prst="rect">
@@ -3541,36 +3366,6 @@
           </a:p>
         </p:txBody>
       </p:sp>
-      <p:pic>
-        <p:nvPicPr>
-          <p:cNvPr id="3" name="Picture 2" descr="MU Hamilton Institute Logo_RGB.jpg"/>
-          <p:cNvPicPr>
-            <a:picLocks noChangeAspect="1"/>
-          </p:cNvPicPr>
-          <p:nvPr/>
-        </p:nvPicPr>
-        <p:blipFill>
-          <a:blip r:embed="rId3">
-            <a:extLst>
-              <a:ext uri="{28A0092B-C50C-407E-A947-70E740481C1C}">
-                <a14:useLocalDpi xmlns:a14="http://schemas.microsoft.com/office/drawing/2010/main" val="0"/>
-              </a:ext>
-            </a:extLst>
-          </a:blip>
-          <a:stretch>
-            <a:fillRect/>
-          </a:stretch>
-        </p:blipFill>
-        <p:spPr>
-          <a:xfrm>
-            <a:off x="670406" y="1"/>
-            <a:ext cx="4908037" cy="1823356"/>
-          </a:xfrm>
-          <a:prstGeom prst="rect">
-            <a:avLst/>
-          </a:prstGeom>
-        </p:spPr>
-      </p:pic>
     </p:spTree>
     <p:extLst>
       <p:ext uri="{BB962C8B-B14F-4D97-AF65-F5344CB8AC3E}">
